--- a/results/Figure3.pptx
+++ b/results/Figure3.pptx
@@ -104,6 +104,11 @@
       </a:defRPr>
     </a:lvl9pPr>
   </p:defaultTextStyle>
+  <p:extLst>
+    <p:ext uri="{EFAFB233-063F-42B5-8137-9DF3F51BA10A}">
+      <p15:sldGuideLst xmlns:p15="http://schemas.microsoft.com/office/powerpoint/2012/main"/>
+    </p:ext>
+  </p:extLst>
 </p:presentation>
 </file>
 
@@ -238,7 +243,7 @@
           <a:p>
             <a:fld id="{63275312-40BA-E34E-ACFC-9C72A11ECCA4}" type="datetimeFigureOut">
               <a:rPr lang="en-US" smtClean="0"/>
-              <a:t>12/23/25</a:t>
+              <a:t>2/4/26</a:t>
             </a:fld>
             <a:endParaRPr lang="en-US"/>
           </a:p>
@@ -408,7 +413,7 @@
           <a:p>
             <a:fld id="{63275312-40BA-E34E-ACFC-9C72A11ECCA4}" type="datetimeFigureOut">
               <a:rPr lang="en-US" smtClean="0"/>
-              <a:t>12/23/25</a:t>
+              <a:t>2/4/26</a:t>
             </a:fld>
             <a:endParaRPr lang="en-US"/>
           </a:p>
@@ -588,7 +593,7 @@
           <a:p>
             <a:fld id="{63275312-40BA-E34E-ACFC-9C72A11ECCA4}" type="datetimeFigureOut">
               <a:rPr lang="en-US" smtClean="0"/>
-              <a:t>12/23/25</a:t>
+              <a:t>2/4/26</a:t>
             </a:fld>
             <a:endParaRPr lang="en-US"/>
           </a:p>
@@ -758,7 +763,7 @@
           <a:p>
             <a:fld id="{63275312-40BA-E34E-ACFC-9C72A11ECCA4}" type="datetimeFigureOut">
               <a:rPr lang="en-US" smtClean="0"/>
-              <a:t>12/23/25</a:t>
+              <a:t>2/4/26</a:t>
             </a:fld>
             <a:endParaRPr lang="en-US"/>
           </a:p>
@@ -1002,7 +1007,7 @@
           <a:p>
             <a:fld id="{63275312-40BA-E34E-ACFC-9C72A11ECCA4}" type="datetimeFigureOut">
               <a:rPr lang="en-US" smtClean="0"/>
-              <a:t>12/23/25</a:t>
+              <a:t>2/4/26</a:t>
             </a:fld>
             <a:endParaRPr lang="en-US"/>
           </a:p>
@@ -1234,7 +1239,7 @@
           <a:p>
             <a:fld id="{63275312-40BA-E34E-ACFC-9C72A11ECCA4}" type="datetimeFigureOut">
               <a:rPr lang="en-US" smtClean="0"/>
-              <a:t>12/23/25</a:t>
+              <a:t>2/4/26</a:t>
             </a:fld>
             <a:endParaRPr lang="en-US"/>
           </a:p>
@@ -1601,7 +1606,7 @@
           <a:p>
             <a:fld id="{63275312-40BA-E34E-ACFC-9C72A11ECCA4}" type="datetimeFigureOut">
               <a:rPr lang="en-US" smtClean="0"/>
-              <a:t>12/23/25</a:t>
+              <a:t>2/4/26</a:t>
             </a:fld>
             <a:endParaRPr lang="en-US"/>
           </a:p>
@@ -1719,7 +1724,7 @@
           <a:p>
             <a:fld id="{63275312-40BA-E34E-ACFC-9C72A11ECCA4}" type="datetimeFigureOut">
               <a:rPr lang="en-US" smtClean="0"/>
-              <a:t>12/23/25</a:t>
+              <a:t>2/4/26</a:t>
             </a:fld>
             <a:endParaRPr lang="en-US"/>
           </a:p>
@@ -1814,7 +1819,7 @@
           <a:p>
             <a:fld id="{63275312-40BA-E34E-ACFC-9C72A11ECCA4}" type="datetimeFigureOut">
               <a:rPr lang="en-US" smtClean="0"/>
-              <a:t>12/23/25</a:t>
+              <a:t>2/4/26</a:t>
             </a:fld>
             <a:endParaRPr lang="en-US"/>
           </a:p>
@@ -2091,7 +2096,7 @@
           <a:p>
             <a:fld id="{63275312-40BA-E34E-ACFC-9C72A11ECCA4}" type="datetimeFigureOut">
               <a:rPr lang="en-US" smtClean="0"/>
-              <a:t>12/23/25</a:t>
+              <a:t>2/4/26</a:t>
             </a:fld>
             <a:endParaRPr lang="en-US"/>
           </a:p>
@@ -2348,7 +2353,7 @@
           <a:p>
             <a:fld id="{63275312-40BA-E34E-ACFC-9C72A11ECCA4}" type="datetimeFigureOut">
               <a:rPr lang="en-US" smtClean="0"/>
-              <a:t>12/23/25</a:t>
+              <a:t>2/4/26</a:t>
             </a:fld>
             <a:endParaRPr lang="en-US"/>
           </a:p>
@@ -2561,7 +2566,7 @@
           <a:p>
             <a:fld id="{63275312-40BA-E34E-ACFC-9C72A11ECCA4}" type="datetimeFigureOut">
               <a:rPr lang="en-US" smtClean="0"/>
-              <a:t>12/23/25</a:t>
+              <a:t>2/4/26</a:t>
             </a:fld>
             <a:endParaRPr lang="en-US"/>
           </a:p>
@@ -2968,10 +2973,10 @@
       </p:grpSpPr>
       <p:pic>
         <p:nvPicPr>
-          <p:cNvPr id="11" name="Picture 10">
+          <p:cNvPr id="5" name="Picture 4">
             <a:extLst>
               <a:ext uri="{FF2B5EF4-FFF2-40B4-BE49-F238E27FC236}">
-                <a16:creationId xmlns:a16="http://schemas.microsoft.com/office/drawing/2014/main" id="{84C94C96-2F12-6382-5A3A-E1C27979F220}"/>
+                <a16:creationId xmlns:a16="http://schemas.microsoft.com/office/drawing/2014/main" id="{65DD2F26-D6A3-8384-E651-8B7DAA382ABF}"/>
               </a:ext>
             </a:extLst>
           </p:cNvPr>
@@ -2988,38 +2993,8 @@
         </p:blipFill>
         <p:spPr>
           <a:xfrm>
-            <a:off x="179781" y="36116"/>
-            <a:ext cx="3024188" cy="3024188"/>
-          </a:xfrm>
-          <a:prstGeom prst="rect">
-            <a:avLst/>
-          </a:prstGeom>
-        </p:spPr>
-      </p:pic>
-      <p:pic>
-        <p:nvPicPr>
-          <p:cNvPr id="13" name="Picture 12">
-            <a:extLst>
-              <a:ext uri="{FF2B5EF4-FFF2-40B4-BE49-F238E27FC236}">
-                <a16:creationId xmlns:a16="http://schemas.microsoft.com/office/drawing/2014/main" id="{E54C58B3-DD78-FB89-7047-6741F89013D4}"/>
-              </a:ext>
-            </a:extLst>
-          </p:cNvPr>
-          <p:cNvPicPr>
-            <a:picLocks noChangeAspect="1"/>
-          </p:cNvPicPr>
-          <p:nvPr/>
-        </p:nvPicPr>
-        <p:blipFill>
-          <a:blip r:embed="rId3"/>
-          <a:stretch>
-            <a:fillRect/>
-          </a:stretch>
-        </p:blipFill>
-        <p:spPr>
-          <a:xfrm>
-            <a:off x="3203971" y="36116"/>
-            <a:ext cx="4536281" cy="3024188"/>
+            <a:off x="73818" y="39154"/>
+            <a:ext cx="7772400" cy="3108959"/>
           </a:xfrm>
           <a:prstGeom prst="rect">
             <a:avLst/>
@@ -3041,7 +3016,7 @@
           <p:nvPr/>
         </p:nvPicPr>
         <p:blipFill>
-          <a:blip r:embed="rId4"/>
+          <a:blip r:embed="rId3"/>
           <a:stretch>
             <a:fillRect/>
           </a:stretch>
@@ -3093,41 +3068,6 @@
       </p:sp>
       <p:sp>
         <p:nvSpPr>
-          <p:cNvPr id="17" name="TextBox 16">
-            <a:extLst>
-              <a:ext uri="{FF2B5EF4-FFF2-40B4-BE49-F238E27FC236}">
-                <a16:creationId xmlns:a16="http://schemas.microsoft.com/office/drawing/2014/main" id="{E11B7698-446D-40F9-1B62-D7D8E2B1EAF9}"/>
-              </a:ext>
-            </a:extLst>
-          </p:cNvPr>
-          <p:cNvSpPr txBox="1"/>
-          <p:nvPr/>
-        </p:nvSpPr>
-        <p:spPr>
-          <a:xfrm>
-            <a:off x="3089564" y="0"/>
-            <a:ext cx="434109" cy="370284"/>
-          </a:xfrm>
-          <a:prstGeom prst="rect">
-            <a:avLst/>
-          </a:prstGeom>
-          <a:noFill/>
-        </p:spPr>
-        <p:txBody>
-          <a:bodyPr wrap="square" rtlCol="0">
-            <a:spAutoFit/>
-          </a:bodyPr>
-          <a:lstStyle/>
-          <a:p>
-            <a:r>
-              <a:rPr lang="en-US" b="1" dirty="0"/>
-              <a:t>B</a:t>
-            </a:r>
-          </a:p>
-        </p:txBody>
-      </p:sp>
-      <p:sp>
-        <p:nvSpPr>
           <p:cNvPr id="18" name="TextBox 17">
             <a:extLst>
               <a:ext uri="{FF2B5EF4-FFF2-40B4-BE49-F238E27FC236}">
@@ -3155,10 +3095,9 @@
           <a:lstStyle/>
           <a:p>
             <a:r>
-              <a:rPr lang="en-US" b="1"/>
-              <a:t>C</a:t>
-            </a:r>
-            <a:endParaRPr lang="en-US" b="1" dirty="0"/>
+              <a:rPr lang="en-US" b="1" dirty="0"/>
+              <a:t>B</a:t>
+            </a:r>
           </a:p>
         </p:txBody>
       </p:sp>
